--- a/15_Ch04_API_a.pptx
+++ b/15_Ch04_API_a.pptx
@@ -9,8 +9,8 @@
   </p:notesMasterIdLst>
   <p:sldIdLst>
     <p:sldId id="256" r:id="rId2"/>
-    <p:sldId id="263" r:id="rId3"/>
-    <p:sldId id="282" r:id="rId4"/>
+    <p:sldId id="282" r:id="rId3"/>
+    <p:sldId id="263" r:id="rId4"/>
     <p:sldId id="270" r:id="rId5"/>
     <p:sldId id="269" r:id="rId6"/>
     <p:sldId id="271" r:id="rId7"/>
@@ -6239,6 +6239,41 @@
           <a:chExt cx="0" cy="0"/>
         </a:xfrm>
       </p:grpSpPr>
+      <p:pic>
+        <p:nvPicPr>
+          <p:cNvPr id="9" name="Picture 8">
+            <a:extLst>
+              <a:ext uri="{FF2B5EF4-FFF2-40B4-BE49-F238E27FC236}">
+                <a16:creationId xmlns:a16="http://schemas.microsoft.com/office/drawing/2014/main" id="{8C526ED7-84EA-479B-B173-48F4BE2610C7}"/>
+              </a:ext>
+            </a:extLst>
+          </p:cNvPr>
+          <p:cNvPicPr>
+            <a:picLocks noChangeAspect="1"/>
+          </p:cNvPicPr>
+          <p:nvPr/>
+        </p:nvPicPr>
+        <p:blipFill>
+          <a:blip r:embed="rId2"/>
+          <a:stretch>
+            <a:fillRect/>
+          </a:stretch>
+        </p:blipFill>
+        <p:spPr>
+          <a:xfrm>
+            <a:off x="755576" y="2217940"/>
+            <a:ext cx="8136904" cy="2148652"/>
+          </a:xfrm>
+          <a:prstGeom prst="rect">
+            <a:avLst/>
+          </a:prstGeom>
+          <a:ln>
+            <a:solidFill>
+              <a:srgbClr val="C00000"/>
+            </a:solidFill>
+          </a:ln>
+        </p:spPr>
+      </p:pic>
       <p:sp>
         <p:nvSpPr>
           <p:cNvPr id="2" name="標題 1"/>
@@ -6361,7 +6396,23 @@
                   <a:schemeClr val="tx1"/>
                 </a:solidFill>
               </a:rPr>
-              <a:t>demo/samples/a*</a:t>
+              <a:t>&gt; </a:t>
+            </a:r>
+            <a:r>
+              <a:rPr lang="en-US" sz="1800" b="1" dirty="0" err="1">
+                <a:solidFill>
+                  <a:schemeClr val="tx1"/>
+                </a:solidFill>
+              </a:rPr>
+              <a:t>dir</a:t>
+            </a:r>
+            <a:r>
+              <a:rPr lang="en-US" sz="1800" b="1" dirty="0">
+                <a:solidFill>
+                  <a:schemeClr val="tx1"/>
+                </a:solidFill>
+              </a:rPr>
+              <a:t>/w /A:D        # totally, we have 74 examples in Jasper Report 6.7.0</a:t>
             </a:r>
             <a:endParaRPr lang="en-US" sz="1800" dirty="0">
               <a:solidFill>
@@ -6485,41 +6536,6 @@
           </a:p>
         </p:txBody>
       </p:sp>
-      <p:pic>
-        <p:nvPicPr>
-          <p:cNvPr id="7" name="Picture 6">
-            <a:extLst>
-              <a:ext uri="{FF2B5EF4-FFF2-40B4-BE49-F238E27FC236}">
-                <a16:creationId xmlns:a16="http://schemas.microsoft.com/office/drawing/2014/main" id="{881C2198-D35D-4280-A35B-B0BF5A63C9BC}"/>
-              </a:ext>
-            </a:extLst>
-          </p:cNvPr>
-          <p:cNvPicPr>
-            <a:picLocks noChangeAspect="1"/>
-          </p:cNvPicPr>
-          <p:nvPr/>
-        </p:nvPicPr>
-        <p:blipFill>
-          <a:blip r:embed="rId2"/>
-          <a:stretch>
-            <a:fillRect/>
-          </a:stretch>
-        </p:blipFill>
-        <p:spPr>
-          <a:xfrm>
-            <a:off x="1337730" y="2009052"/>
-            <a:ext cx="6282270" cy="4347297"/>
-          </a:xfrm>
-          <a:prstGeom prst="rect">
-            <a:avLst/>
-          </a:prstGeom>
-          <a:ln>
-            <a:solidFill>
-              <a:srgbClr val="C00000"/>
-            </a:solidFill>
-          </a:ln>
-        </p:spPr>
-      </p:pic>
       <p:sp>
         <p:nvSpPr>
           <p:cNvPr id="8" name="Rectangle 7">
@@ -6534,8 +6550,8 @@
         </p:nvSpPr>
         <p:spPr>
           <a:xfrm>
-            <a:off x="2699792" y="2411706"/>
-            <a:ext cx="1152128" cy="648072"/>
+            <a:off x="1259632" y="3933056"/>
+            <a:ext cx="2304256" cy="249644"/>
           </a:xfrm>
           <a:prstGeom prst="rect">
             <a:avLst/>
@@ -6573,6 +6589,11 @@
         </p:txBody>
       </p:sp>
     </p:spTree>
+    <p:extLst>
+      <p:ext uri="{BB962C8B-B14F-4D97-AF65-F5344CB8AC3E}">
+        <p14:creationId xmlns:p14="http://schemas.microsoft.com/office/powerpoint/2010/main" val="4209363913"/>
+      </p:ext>
+    </p:extLst>
   </p:cSld>
   <p:clrMapOvr>
     <a:masterClrMapping/>
@@ -6597,41 +6618,6 @@
           <a:chExt cx="0" cy="0"/>
         </a:xfrm>
       </p:grpSpPr>
-      <p:pic>
-        <p:nvPicPr>
-          <p:cNvPr id="9" name="Picture 8">
-            <a:extLst>
-              <a:ext uri="{FF2B5EF4-FFF2-40B4-BE49-F238E27FC236}">
-                <a16:creationId xmlns:a16="http://schemas.microsoft.com/office/drawing/2014/main" id="{8C526ED7-84EA-479B-B173-48F4BE2610C7}"/>
-              </a:ext>
-            </a:extLst>
-          </p:cNvPr>
-          <p:cNvPicPr>
-            <a:picLocks noChangeAspect="1"/>
-          </p:cNvPicPr>
-          <p:nvPr/>
-        </p:nvPicPr>
-        <p:blipFill>
-          <a:blip r:embed="rId2"/>
-          <a:stretch>
-            <a:fillRect/>
-          </a:stretch>
-        </p:blipFill>
-        <p:spPr>
-          <a:xfrm>
-            <a:off x="755576" y="2217940"/>
-            <a:ext cx="8136904" cy="2148652"/>
-          </a:xfrm>
-          <a:prstGeom prst="rect">
-            <a:avLst/>
-          </a:prstGeom>
-          <a:ln>
-            <a:solidFill>
-              <a:srgbClr val="C00000"/>
-            </a:solidFill>
-          </a:ln>
-        </p:spPr>
-      </p:pic>
       <p:sp>
         <p:nvSpPr>
           <p:cNvPr id="2" name="標題 1"/>
@@ -6754,23 +6740,7 @@
                   <a:schemeClr val="tx1"/>
                 </a:solidFill>
               </a:rPr>
-              <a:t>&gt; </a:t>
-            </a:r>
-            <a:r>
-              <a:rPr lang="en-US" sz="1800" b="1" dirty="0" err="1">
-                <a:solidFill>
-                  <a:schemeClr val="tx1"/>
-                </a:solidFill>
-              </a:rPr>
-              <a:t>dir</a:t>
-            </a:r>
-            <a:r>
-              <a:rPr lang="en-US" sz="1800" b="1" dirty="0">
-                <a:solidFill>
-                  <a:schemeClr val="tx1"/>
-                </a:solidFill>
-              </a:rPr>
-              <a:t>/w /A:D        # totally, we have 74 examples in Jasper Report 6.7.0</a:t>
+              <a:t>demo/samples/a*</a:t>
             </a:r>
             <a:endParaRPr lang="en-US" sz="1800" dirty="0">
               <a:solidFill>
@@ -6894,6 +6864,41 @@
           </a:p>
         </p:txBody>
       </p:sp>
+      <p:pic>
+        <p:nvPicPr>
+          <p:cNvPr id="7" name="Picture 6">
+            <a:extLst>
+              <a:ext uri="{FF2B5EF4-FFF2-40B4-BE49-F238E27FC236}">
+                <a16:creationId xmlns:a16="http://schemas.microsoft.com/office/drawing/2014/main" id="{881C2198-D35D-4280-A35B-B0BF5A63C9BC}"/>
+              </a:ext>
+            </a:extLst>
+          </p:cNvPr>
+          <p:cNvPicPr>
+            <a:picLocks noChangeAspect="1"/>
+          </p:cNvPicPr>
+          <p:nvPr/>
+        </p:nvPicPr>
+        <p:blipFill>
+          <a:blip r:embed="rId2"/>
+          <a:stretch>
+            <a:fillRect/>
+          </a:stretch>
+        </p:blipFill>
+        <p:spPr>
+          <a:xfrm>
+            <a:off x="1337730" y="2009052"/>
+            <a:ext cx="6282270" cy="4347297"/>
+          </a:xfrm>
+          <a:prstGeom prst="rect">
+            <a:avLst/>
+          </a:prstGeom>
+          <a:ln>
+            <a:solidFill>
+              <a:srgbClr val="C00000"/>
+            </a:solidFill>
+          </a:ln>
+        </p:spPr>
+      </p:pic>
       <p:sp>
         <p:nvSpPr>
           <p:cNvPr id="8" name="Rectangle 7">
@@ -6908,8 +6913,8 @@
         </p:nvSpPr>
         <p:spPr>
           <a:xfrm>
-            <a:off x="1259632" y="3933056"/>
-            <a:ext cx="2304256" cy="249644"/>
+            <a:off x="2699792" y="2411706"/>
+            <a:ext cx="1152128" cy="648072"/>
           </a:xfrm>
           <a:prstGeom prst="rect">
             <a:avLst/>
@@ -6947,11 +6952,6 @@
         </p:txBody>
       </p:sp>
     </p:spTree>
-    <p:extLst>
-      <p:ext uri="{BB962C8B-B14F-4D97-AF65-F5344CB8AC3E}">
-        <p14:creationId xmlns:p14="http://schemas.microsoft.com/office/powerpoint/2010/main" val="4209363913"/>
-      </p:ext>
-    </p:extLst>
   </p:cSld>
   <p:clrMapOvr>
     <a:masterClrMapping/>
